--- a/프레젠테이션 2.pptx
+++ b/프레젠테이션 2.pptx
@@ -6,6 +6,7 @@
   </p:sldMasterIdLst>
   <p:sldIdLst>
     <p:sldId id="256" r:id="rId2"/>
+    <p:sldId id="257" r:id="rId3"/>
   </p:sldIdLst>
   <p:sldSz cx="12192000" cy="6858000"/>
   <p:notesSz cx="6858000" cy="9144000"/>
@@ -115,6 +116,7 @@
 <file path=ppt/revisionInfo.xml><?xml version="1.0" encoding="utf-8"?>
 <p1510:revInfo xmlns:a="http://schemas.openxmlformats.org/drawingml/2006/main" xmlns:r="http://schemas.openxmlformats.org/officeDocument/2006/relationships" xmlns:p1510="http://schemas.microsoft.com/office/powerpoint/2015/10/main">
   <p1510:revLst>
+    <p1510:client id="{C71AA2AB-2A1D-4F7A-81A6-9C70EE740C68}" v="187" dt="2023-07-30T12:56:56.019"/>
     <p1510:client id="{E983454B-6F98-489C-813A-6B238E4042AF}" v="689" dt="2023-07-30T03:35:56.991"/>
   </p1510:revLst>
 </p1510:revInfo>
@@ -249,7 +251,7 @@
           <a:p>
             <a:fld id="{2566825D-2B69-4989-8861-A6901ABADB6C}" type="datetimeFigureOut">
               <a:rPr lang="ko-KR" altLang="en-US" smtClean="0"/>
-              <a:t>2023-07-29</a:t>
+              <a:t>2023-07-30</a:t>
             </a:fld>
             <a:endParaRPr lang="ko-KR" altLang="en-US"/>
           </a:p>
@@ -417,7 +419,7 @@
           <a:p>
             <a:fld id="{2566825D-2B69-4989-8861-A6901ABADB6C}" type="datetimeFigureOut">
               <a:rPr lang="ko-KR" altLang="en-US" smtClean="0"/>
-              <a:t>2023-07-29</a:t>
+              <a:t>2023-07-30</a:t>
             </a:fld>
             <a:endParaRPr lang="ko-KR" altLang="en-US"/>
           </a:p>
@@ -595,7 +597,7 @@
           <a:p>
             <a:fld id="{2566825D-2B69-4989-8861-A6901ABADB6C}" type="datetimeFigureOut">
               <a:rPr lang="ko-KR" altLang="en-US" smtClean="0"/>
-              <a:t>2023-07-29</a:t>
+              <a:t>2023-07-30</a:t>
             </a:fld>
             <a:endParaRPr lang="ko-KR" altLang="en-US"/>
           </a:p>
@@ -763,7 +765,7 @@
           <a:p>
             <a:fld id="{2566825D-2B69-4989-8861-A6901ABADB6C}" type="datetimeFigureOut">
               <a:rPr lang="ko-KR" altLang="en-US" smtClean="0"/>
-              <a:t>2023-07-29</a:t>
+              <a:t>2023-07-30</a:t>
             </a:fld>
             <a:endParaRPr lang="ko-KR" altLang="en-US"/>
           </a:p>
@@ -1008,7 +1010,7 @@
           <a:p>
             <a:fld id="{2566825D-2B69-4989-8861-A6901ABADB6C}" type="datetimeFigureOut">
               <a:rPr lang="ko-KR" altLang="en-US" smtClean="0"/>
-              <a:t>2023-07-29</a:t>
+              <a:t>2023-07-30</a:t>
             </a:fld>
             <a:endParaRPr lang="ko-KR" altLang="en-US"/>
           </a:p>
@@ -1237,7 +1239,7 @@
           <a:p>
             <a:fld id="{2566825D-2B69-4989-8861-A6901ABADB6C}" type="datetimeFigureOut">
               <a:rPr lang="ko-KR" altLang="en-US" smtClean="0"/>
-              <a:t>2023-07-29</a:t>
+              <a:t>2023-07-30</a:t>
             </a:fld>
             <a:endParaRPr lang="ko-KR" altLang="en-US"/>
           </a:p>
@@ -1601,7 +1603,7 @@
           <a:p>
             <a:fld id="{2566825D-2B69-4989-8861-A6901ABADB6C}" type="datetimeFigureOut">
               <a:rPr lang="ko-KR" altLang="en-US" smtClean="0"/>
-              <a:t>2023-07-29</a:t>
+              <a:t>2023-07-30</a:t>
             </a:fld>
             <a:endParaRPr lang="ko-KR" altLang="en-US"/>
           </a:p>
@@ -1718,7 +1720,7 @@
           <a:p>
             <a:fld id="{2566825D-2B69-4989-8861-A6901ABADB6C}" type="datetimeFigureOut">
               <a:rPr lang="ko-KR" altLang="en-US" smtClean="0"/>
-              <a:t>2023-07-29</a:t>
+              <a:t>2023-07-30</a:t>
             </a:fld>
             <a:endParaRPr lang="ko-KR" altLang="en-US"/>
           </a:p>
@@ -1813,7 +1815,7 @@
           <a:p>
             <a:fld id="{2566825D-2B69-4989-8861-A6901ABADB6C}" type="datetimeFigureOut">
               <a:rPr lang="ko-KR" altLang="en-US" smtClean="0"/>
-              <a:t>2023-07-29</a:t>
+              <a:t>2023-07-30</a:t>
             </a:fld>
             <a:endParaRPr lang="ko-KR" altLang="en-US"/>
           </a:p>
@@ -2088,7 +2090,7 @@
           <a:p>
             <a:fld id="{2566825D-2B69-4989-8861-A6901ABADB6C}" type="datetimeFigureOut">
               <a:rPr lang="ko-KR" altLang="en-US" smtClean="0"/>
-              <a:t>2023-07-29</a:t>
+              <a:t>2023-07-30</a:t>
             </a:fld>
             <a:endParaRPr lang="ko-KR" altLang="en-US"/>
           </a:p>
@@ -2340,7 +2342,7 @@
           <a:p>
             <a:fld id="{2566825D-2B69-4989-8861-A6901ABADB6C}" type="datetimeFigureOut">
               <a:rPr lang="ko-KR" altLang="en-US" smtClean="0"/>
-              <a:t>2023-07-29</a:t>
+              <a:t>2023-07-30</a:t>
             </a:fld>
             <a:endParaRPr lang="ko-KR" altLang="en-US"/>
           </a:p>
@@ -2551,7 +2553,7 @@
           <a:p>
             <a:fld id="{2566825D-2B69-4989-8861-A6901ABADB6C}" type="datetimeFigureOut">
               <a:rPr lang="ko-KR" altLang="en-US" smtClean="0"/>
-              <a:t>2023-07-29</a:t>
+              <a:t>2023-07-30</a:t>
             </a:fld>
             <a:endParaRPr lang="ko-KR" altLang="en-US"/>
           </a:p>
@@ -4396,6 +4398,622 @@
 </p:sld>
 </file>
 
+<file path=ppt/slides/slide2.xml><?xml version="1.0" encoding="utf-8"?>
+<p:sld xmlns:a="http://schemas.openxmlformats.org/drawingml/2006/main" xmlns:r="http://schemas.openxmlformats.org/officeDocument/2006/relationships" xmlns:p="http://schemas.openxmlformats.org/presentationml/2006/main">
+  <p:cSld>
+    <p:spTree>
+      <p:nvGrpSpPr>
+        <p:cNvPr id="1" name=""/>
+        <p:cNvGrpSpPr/>
+        <p:nvPr/>
+      </p:nvGrpSpPr>
+      <p:grpSpPr>
+        <a:xfrm>
+          <a:off x="0" y="0"/>
+          <a:ext cx="0" cy="0"/>
+          <a:chOff x="0" y="0"/>
+          <a:chExt cx="0" cy="0"/>
+        </a:xfrm>
+      </p:grpSpPr>
+      <p:sp>
+        <p:nvSpPr>
+          <p:cNvPr id="2" name="사각형: 둥근 모서리 1">
+            <a:extLst>
+              <a:ext uri="{FF2B5EF4-FFF2-40B4-BE49-F238E27FC236}">
+                <a16:creationId xmlns:a16="http://schemas.microsoft.com/office/drawing/2014/main" id="{AF8224FB-E18B-E21F-FE15-82D8B01FEB7C}"/>
+              </a:ext>
+            </a:extLst>
+          </p:cNvPr>
+          <p:cNvSpPr/>
+          <p:nvPr/>
+        </p:nvSpPr>
+        <p:spPr>
+          <a:xfrm>
+            <a:off x="4386146" y="83633"/>
+            <a:ext cx="1514707" cy="334539"/>
+          </a:xfrm>
+          <a:prstGeom prst="roundRect">
+            <a:avLst/>
+          </a:prstGeom>
+          <a:solidFill>
+            <a:schemeClr val="bg1"/>
+          </a:solidFill>
+        </p:spPr>
+        <p:style>
+          <a:lnRef idx="2">
+            <a:schemeClr val="accent1">
+              <a:shade val="15000"/>
+            </a:schemeClr>
+          </a:lnRef>
+          <a:fillRef idx="1">
+            <a:schemeClr val="accent1"/>
+          </a:fillRef>
+          <a:effectRef idx="0">
+            <a:schemeClr val="accent1"/>
+          </a:effectRef>
+          <a:fontRef idx="minor">
+            <a:schemeClr val="lt1"/>
+          </a:fontRef>
+        </p:style>
+        <p:txBody>
+          <a:bodyPr rtlCol="0" anchor="ctr"/>
+          <a:lstStyle/>
+          <a:p>
+            <a:pPr algn="ctr"/>
+            <a:r>
+              <a:rPr lang="ko-KR" altLang="en-US" dirty="0">
+                <a:solidFill>
+                  <a:schemeClr val="tx1"/>
+                </a:solidFill>
+                <a:ea typeface="맑은 고딕"/>
+              </a:rPr>
+              <a:t>아이템 강화</a:t>
+            </a:r>
+          </a:p>
+        </p:txBody>
+      </p:sp>
+      <p:sp>
+        <p:nvSpPr>
+          <p:cNvPr id="3" name="사각형: 둥근 모서리 2">
+            <a:extLst>
+              <a:ext uri="{FF2B5EF4-FFF2-40B4-BE49-F238E27FC236}">
+                <a16:creationId xmlns:a16="http://schemas.microsoft.com/office/drawing/2014/main" id="{D2356503-97B3-416B-1B39-B898E09B7A3C}"/>
+              </a:ext>
+            </a:extLst>
+          </p:cNvPr>
+          <p:cNvSpPr/>
+          <p:nvPr/>
+        </p:nvSpPr>
+        <p:spPr>
+          <a:xfrm>
+            <a:off x="743414" y="780584"/>
+            <a:ext cx="1951463" cy="334539"/>
+          </a:xfrm>
+          <a:prstGeom prst="roundRect">
+            <a:avLst/>
+          </a:prstGeom>
+          <a:solidFill>
+            <a:schemeClr val="bg1"/>
+          </a:solidFill>
+        </p:spPr>
+        <p:style>
+          <a:lnRef idx="2">
+            <a:schemeClr val="accent1">
+              <a:shade val="15000"/>
+            </a:schemeClr>
+          </a:lnRef>
+          <a:fillRef idx="1">
+            <a:schemeClr val="accent1"/>
+          </a:fillRef>
+          <a:effectRef idx="0">
+            <a:schemeClr val="accent1"/>
+          </a:effectRef>
+          <a:fontRef idx="minor">
+            <a:schemeClr val="lt1"/>
+          </a:fontRef>
+        </p:style>
+        <p:txBody>
+          <a:bodyPr lIns="91440" tIns="45720" rIns="91440" bIns="45720" rtlCol="0" anchor="ctr"/>
+          <a:lstStyle/>
+          <a:p>
+            <a:pPr algn="ctr"/>
+            <a:r>
+              <a:rPr lang="ko-KR" altLang="en-US" dirty="0">
+                <a:solidFill>
+                  <a:schemeClr val="tx1"/>
+                </a:solidFill>
+                <a:ea typeface="맑은 고딕"/>
+              </a:rPr>
+              <a:t>데이터 저장</a:t>
+            </a:r>
+          </a:p>
+        </p:txBody>
+      </p:sp>
+      <p:sp>
+        <p:nvSpPr>
+          <p:cNvPr id="4" name="사각형: 둥근 모서리 3">
+            <a:extLst>
+              <a:ext uri="{FF2B5EF4-FFF2-40B4-BE49-F238E27FC236}">
+                <a16:creationId xmlns:a16="http://schemas.microsoft.com/office/drawing/2014/main" id="{1BCF521A-2AC1-79BA-109B-87BC62761352}"/>
+              </a:ext>
+            </a:extLst>
+          </p:cNvPr>
+          <p:cNvSpPr/>
+          <p:nvPr/>
+        </p:nvSpPr>
+        <p:spPr>
+          <a:xfrm>
+            <a:off x="4144535" y="780584"/>
+            <a:ext cx="1951463" cy="334539"/>
+          </a:xfrm>
+          <a:prstGeom prst="roundRect">
+            <a:avLst/>
+          </a:prstGeom>
+          <a:solidFill>
+            <a:schemeClr val="bg1"/>
+          </a:solidFill>
+        </p:spPr>
+        <p:style>
+          <a:lnRef idx="2">
+            <a:schemeClr val="accent1">
+              <a:shade val="15000"/>
+            </a:schemeClr>
+          </a:lnRef>
+          <a:fillRef idx="1">
+            <a:schemeClr val="accent1"/>
+          </a:fillRef>
+          <a:effectRef idx="0">
+            <a:schemeClr val="accent1"/>
+          </a:effectRef>
+          <a:fontRef idx="minor">
+            <a:schemeClr val="lt1"/>
+          </a:fontRef>
+        </p:style>
+        <p:txBody>
+          <a:bodyPr lIns="91440" tIns="45720" rIns="91440" bIns="45720" rtlCol="0" anchor="ctr"/>
+          <a:lstStyle/>
+          <a:p>
+            <a:pPr algn="ctr"/>
+            <a:r>
+              <a:rPr lang="ko-KR" altLang="en-US" dirty="0">
+                <a:solidFill>
+                  <a:schemeClr val="tx1"/>
+                </a:solidFill>
+                <a:ea typeface="맑은 고딕"/>
+              </a:rPr>
+              <a:t>내부 로직</a:t>
+            </a:r>
+            <a:endParaRPr lang="ko-KR" dirty="0">
+              <a:solidFill>
+                <a:schemeClr val="tx1"/>
+              </a:solidFill>
+            </a:endParaRPr>
+          </a:p>
+        </p:txBody>
+      </p:sp>
+      <p:sp>
+        <p:nvSpPr>
+          <p:cNvPr id="5" name="사각형: 둥근 모서리 4">
+            <a:extLst>
+              <a:ext uri="{FF2B5EF4-FFF2-40B4-BE49-F238E27FC236}">
+                <a16:creationId xmlns:a16="http://schemas.microsoft.com/office/drawing/2014/main" id="{503F6DEE-C72F-6B93-7549-8E2DE520E7CF}"/>
+              </a:ext>
+            </a:extLst>
+          </p:cNvPr>
+          <p:cNvSpPr/>
+          <p:nvPr/>
+        </p:nvSpPr>
+        <p:spPr>
+          <a:xfrm>
+            <a:off x="7545658" y="780584"/>
+            <a:ext cx="1951463" cy="334539"/>
+          </a:xfrm>
+          <a:prstGeom prst="roundRect">
+            <a:avLst/>
+          </a:prstGeom>
+          <a:solidFill>
+            <a:schemeClr val="bg1"/>
+          </a:solidFill>
+        </p:spPr>
+        <p:style>
+          <a:lnRef idx="2">
+            <a:schemeClr val="accent1">
+              <a:shade val="15000"/>
+            </a:schemeClr>
+          </a:lnRef>
+          <a:fillRef idx="1">
+            <a:schemeClr val="accent1"/>
+          </a:fillRef>
+          <a:effectRef idx="0">
+            <a:schemeClr val="accent1"/>
+          </a:effectRef>
+          <a:fontRef idx="minor">
+            <a:schemeClr val="lt1"/>
+          </a:fontRef>
+        </p:style>
+        <p:txBody>
+          <a:bodyPr lIns="91440" tIns="45720" rIns="91440" bIns="45720" rtlCol="0" anchor="ctr"/>
+          <a:lstStyle/>
+          <a:p>
+            <a:pPr algn="ctr"/>
+            <a:r>
+              <a:rPr lang="ko-KR" altLang="en-US" dirty="0">
+                <a:solidFill>
+                  <a:schemeClr val="tx1"/>
+                </a:solidFill>
+                <a:ea typeface="맑은 고딕"/>
+              </a:rPr>
+              <a:t>UI 업데이트</a:t>
+            </a:r>
+            <a:endParaRPr lang="ko-KR" dirty="0">
+              <a:solidFill>
+                <a:schemeClr val="tx1"/>
+              </a:solidFill>
+            </a:endParaRPr>
+          </a:p>
+        </p:txBody>
+      </p:sp>
+      <p:sp>
+        <p:nvSpPr>
+          <p:cNvPr id="6" name="사각형: 둥근 모서리 5">
+            <a:extLst>
+              <a:ext uri="{FF2B5EF4-FFF2-40B4-BE49-F238E27FC236}">
+                <a16:creationId xmlns:a16="http://schemas.microsoft.com/office/drawing/2014/main" id="{3BA39079-E093-0360-7D80-B56A27CE5765}"/>
+              </a:ext>
+            </a:extLst>
+          </p:cNvPr>
+          <p:cNvSpPr/>
+          <p:nvPr/>
+        </p:nvSpPr>
+        <p:spPr>
+          <a:xfrm>
+            <a:off x="2044389" y="2601949"/>
+            <a:ext cx="6086706" cy="3373246"/>
+          </a:xfrm>
+          <a:prstGeom prst="roundRect">
+            <a:avLst/>
+          </a:prstGeom>
+          <a:solidFill>
+            <a:schemeClr val="bg1"/>
+          </a:solidFill>
+        </p:spPr>
+        <p:style>
+          <a:lnRef idx="2">
+            <a:schemeClr val="accent1">
+              <a:shade val="15000"/>
+            </a:schemeClr>
+          </a:lnRef>
+          <a:fillRef idx="1">
+            <a:schemeClr val="accent1"/>
+          </a:fillRef>
+          <a:effectRef idx="0">
+            <a:schemeClr val="accent1"/>
+          </a:effectRef>
+          <a:fontRef idx="minor">
+            <a:schemeClr val="lt1"/>
+          </a:fontRef>
+        </p:style>
+        <p:txBody>
+          <a:bodyPr lIns="91440" tIns="45720" rIns="91440" bIns="45720" rtlCol="0" anchor="ctr"/>
+          <a:lstStyle/>
+          <a:p>
+            <a:pPr algn="ctr"/>
+            <a:r>
+              <a:rPr lang="ko-KR" altLang="en-US" dirty="0">
+                <a:solidFill>
+                  <a:schemeClr val="tx1"/>
+                </a:solidFill>
+                <a:ea typeface="맑은 고딕"/>
+              </a:rPr>
+              <a:t>필요한 기능</a:t>
+            </a:r>
+          </a:p>
+          <a:p>
+            <a:pPr algn="ctr"/>
+            <a:endParaRPr lang="ko-KR" altLang="en-US" dirty="0">
+              <a:solidFill>
+                <a:schemeClr val="tx1"/>
+              </a:solidFill>
+              <a:ea typeface="맑은 고딕"/>
+            </a:endParaRPr>
+          </a:p>
+          <a:p>
+            <a:pPr algn="ctr"/>
+            <a:r>
+              <a:rPr lang="ko-KR" altLang="en-US" dirty="0">
+                <a:solidFill>
+                  <a:schemeClr val="tx1"/>
+                </a:solidFill>
+                <a:ea typeface="맑은 고딕"/>
+              </a:rPr>
+              <a:t>임시슬롯 1, 2</a:t>
+            </a:r>
+          </a:p>
+          <a:p>
+            <a:pPr algn="ctr"/>
+            <a:r>
+              <a:rPr lang="ko-KR" altLang="en-US" dirty="0">
+                <a:solidFill>
+                  <a:schemeClr val="tx1"/>
+                </a:solidFill>
+                <a:ea typeface="맑은 고딕"/>
+              </a:rPr>
+              <a:t>UI 이미지 업데이트, </a:t>
+            </a:r>
+            <a:r>
+              <a:rPr lang="ko-KR" altLang="en-US" dirty="0" err="1">
+                <a:solidFill>
+                  <a:schemeClr val="tx1"/>
+                </a:solidFill>
+                <a:ea typeface="맑은 고딕"/>
+              </a:rPr>
+              <a:t>성공시</a:t>
+            </a:r>
+            <a:r>
+              <a:rPr lang="ko-KR" altLang="en-US" dirty="0">
+                <a:solidFill>
+                  <a:schemeClr val="tx1"/>
+                </a:solidFill>
+                <a:ea typeface="맑은 고딕"/>
+              </a:rPr>
+              <a:t>, </a:t>
+            </a:r>
+            <a:r>
+              <a:rPr lang="ko-KR" altLang="en-US" dirty="0" err="1">
+                <a:solidFill>
+                  <a:schemeClr val="tx1"/>
+                </a:solidFill>
+                <a:ea typeface="맑은 고딕"/>
+              </a:rPr>
+              <a:t>실패시</a:t>
+            </a:r>
+            <a:r>
+              <a:rPr lang="ko-KR" altLang="en-US" dirty="0">
+                <a:solidFill>
+                  <a:schemeClr val="tx1"/>
+                </a:solidFill>
+                <a:ea typeface="맑은 고딕"/>
+              </a:rPr>
+              <a:t> 결과물 팝업</a:t>
+            </a:r>
+          </a:p>
+          <a:p>
+            <a:pPr algn="ctr"/>
+            <a:r>
+              <a:rPr lang="ko-KR" altLang="en-US" dirty="0">
+                <a:solidFill>
+                  <a:schemeClr val="tx1"/>
+                </a:solidFill>
+                <a:ea typeface="맑은 고딕"/>
+              </a:rPr>
+              <a:t>강화비용 팝업</a:t>
+            </a:r>
+          </a:p>
+          <a:p>
+            <a:pPr algn="ctr"/>
+            <a:r>
+              <a:rPr lang="ko-KR" altLang="en-US" dirty="0">
+                <a:solidFill>
+                  <a:schemeClr val="tx1"/>
+                </a:solidFill>
+                <a:ea typeface="맑은 고딕"/>
+              </a:rPr>
+              <a:t>성공, 실패 </a:t>
+            </a:r>
+            <a:r>
+              <a:rPr lang="ko-KR" altLang="en-US" dirty="0" err="1">
+                <a:solidFill>
+                  <a:schemeClr val="tx1"/>
+                </a:solidFill>
+                <a:ea typeface="맑은 고딕"/>
+              </a:rPr>
+              <a:t>파티클</a:t>
+            </a:r>
+            <a:r>
+              <a:rPr lang="ko-KR" altLang="en-US" dirty="0">
+                <a:solidFill>
+                  <a:schemeClr val="tx1"/>
+                </a:solidFill>
+                <a:ea typeface="맑은 고딕"/>
+              </a:rPr>
+              <a:t> 팝업</a:t>
+            </a:r>
+          </a:p>
+          <a:p>
+            <a:pPr algn="ctr"/>
+            <a:endParaRPr lang="ko-KR" altLang="en-US" dirty="0">
+              <a:solidFill>
+                <a:schemeClr val="tx1"/>
+              </a:solidFill>
+              <a:ea typeface="맑은 고딕"/>
+            </a:endParaRPr>
+          </a:p>
+        </p:txBody>
+      </p:sp>
+      <p:sp>
+        <p:nvSpPr>
+          <p:cNvPr id="7" name="사각형: 둥근 모서리 6">
+            <a:extLst>
+              <a:ext uri="{FF2B5EF4-FFF2-40B4-BE49-F238E27FC236}">
+                <a16:creationId xmlns:a16="http://schemas.microsoft.com/office/drawing/2014/main" id="{5B798C61-9676-96F6-79E6-6CAAA07D160C}"/>
+              </a:ext>
+            </a:extLst>
+          </p:cNvPr>
+          <p:cNvSpPr/>
+          <p:nvPr/>
+        </p:nvSpPr>
+        <p:spPr>
+          <a:xfrm>
+            <a:off x="7545658" y="1384608"/>
+            <a:ext cx="1951463" cy="334539"/>
+          </a:xfrm>
+          <a:prstGeom prst="roundRect">
+            <a:avLst/>
+          </a:prstGeom>
+          <a:solidFill>
+            <a:schemeClr val="bg1"/>
+          </a:solidFill>
+        </p:spPr>
+        <p:style>
+          <a:lnRef idx="2">
+            <a:schemeClr val="accent1">
+              <a:shade val="15000"/>
+            </a:schemeClr>
+          </a:lnRef>
+          <a:fillRef idx="1">
+            <a:schemeClr val="accent1"/>
+          </a:fillRef>
+          <a:effectRef idx="0">
+            <a:schemeClr val="accent1"/>
+          </a:effectRef>
+          <a:fontRef idx="minor">
+            <a:schemeClr val="lt1"/>
+          </a:fontRef>
+        </p:style>
+        <p:txBody>
+          <a:bodyPr lIns="91440" tIns="45720" rIns="91440" bIns="45720" rtlCol="0" anchor="ctr"/>
+          <a:lstStyle/>
+          <a:p>
+            <a:pPr algn="ctr"/>
+            <a:r>
+              <a:rPr lang="ko-KR" altLang="en-US" dirty="0" err="1">
+                <a:solidFill>
+                  <a:schemeClr val="tx1"/>
+                </a:solidFill>
+                <a:ea typeface="맑은 고딕"/>
+              </a:rPr>
+              <a:t>ItemEnhancerUI</a:t>
+            </a:r>
+          </a:p>
+        </p:txBody>
+      </p:sp>
+      <p:sp>
+        <p:nvSpPr>
+          <p:cNvPr id="8" name="사각형: 둥근 모서리 7">
+            <a:extLst>
+              <a:ext uri="{FF2B5EF4-FFF2-40B4-BE49-F238E27FC236}">
+                <a16:creationId xmlns:a16="http://schemas.microsoft.com/office/drawing/2014/main" id="{294080F6-BC55-4585-B15C-CC1EFE8C784B}"/>
+              </a:ext>
+            </a:extLst>
+          </p:cNvPr>
+          <p:cNvSpPr/>
+          <p:nvPr/>
+        </p:nvSpPr>
+        <p:spPr>
+          <a:xfrm>
+            <a:off x="4144535" y="1384608"/>
+            <a:ext cx="1951463" cy="334539"/>
+          </a:xfrm>
+          <a:prstGeom prst="roundRect">
+            <a:avLst/>
+          </a:prstGeom>
+          <a:solidFill>
+            <a:schemeClr val="bg1"/>
+          </a:solidFill>
+        </p:spPr>
+        <p:style>
+          <a:lnRef idx="2">
+            <a:schemeClr val="accent1">
+              <a:shade val="15000"/>
+            </a:schemeClr>
+          </a:lnRef>
+          <a:fillRef idx="1">
+            <a:schemeClr val="accent1"/>
+          </a:fillRef>
+          <a:effectRef idx="0">
+            <a:schemeClr val="accent1"/>
+          </a:effectRef>
+          <a:fontRef idx="minor">
+            <a:schemeClr val="lt1"/>
+          </a:fontRef>
+        </p:style>
+        <p:txBody>
+          <a:bodyPr lIns="91440" tIns="45720" rIns="91440" bIns="45720" rtlCol="0" anchor="ctr"/>
+          <a:lstStyle/>
+          <a:p>
+            <a:pPr algn="ctr"/>
+            <a:r>
+              <a:rPr lang="ko-KR" altLang="en-US" dirty="0" err="1">
+                <a:solidFill>
+                  <a:schemeClr val="tx1"/>
+                </a:solidFill>
+                <a:ea typeface="맑은 고딕"/>
+              </a:rPr>
+              <a:t>ItemI_Enhancer</a:t>
+            </a:r>
+          </a:p>
+        </p:txBody>
+      </p:sp>
+      <p:sp>
+        <p:nvSpPr>
+          <p:cNvPr id="9" name="사각형: 둥근 모서리 8">
+            <a:extLst>
+              <a:ext uri="{FF2B5EF4-FFF2-40B4-BE49-F238E27FC236}">
+                <a16:creationId xmlns:a16="http://schemas.microsoft.com/office/drawing/2014/main" id="{9EB398DB-4D56-C335-FD24-13A90A1A610F}"/>
+              </a:ext>
+            </a:extLst>
+          </p:cNvPr>
+          <p:cNvSpPr/>
+          <p:nvPr/>
+        </p:nvSpPr>
+        <p:spPr>
+          <a:xfrm>
+            <a:off x="594730" y="1384608"/>
+            <a:ext cx="2425389" cy="334539"/>
+          </a:xfrm>
+          <a:prstGeom prst="roundRect">
+            <a:avLst/>
+          </a:prstGeom>
+          <a:solidFill>
+            <a:schemeClr val="bg1"/>
+          </a:solidFill>
+        </p:spPr>
+        <p:style>
+          <a:lnRef idx="2">
+            <a:schemeClr val="accent1">
+              <a:shade val="15000"/>
+            </a:schemeClr>
+          </a:lnRef>
+          <a:fillRef idx="1">
+            <a:schemeClr val="accent1"/>
+          </a:fillRef>
+          <a:effectRef idx="0">
+            <a:schemeClr val="accent1"/>
+          </a:effectRef>
+          <a:fontRef idx="minor">
+            <a:schemeClr val="lt1"/>
+          </a:fontRef>
+        </p:style>
+        <p:txBody>
+          <a:bodyPr lIns="91440" tIns="45720" rIns="91440" bIns="45720" rtlCol="0" anchor="ctr"/>
+          <a:lstStyle/>
+          <a:p>
+            <a:pPr algn="ctr"/>
+            <a:r>
+              <a:rPr lang="ko-KR" altLang="en-US" dirty="0" err="1">
+                <a:solidFill>
+                  <a:schemeClr val="tx1"/>
+                </a:solidFill>
+                <a:ea typeface="맑은 고딕"/>
+              </a:rPr>
+              <a:t>ItemI_Enhancer_Data</a:t>
+            </a:r>
+          </a:p>
+        </p:txBody>
+      </p:sp>
+    </p:spTree>
+    <p:extLst>
+      <p:ext uri="{BB962C8B-B14F-4D97-AF65-F5344CB8AC3E}">
+        <p14:creationId xmlns:p14="http://schemas.microsoft.com/office/powerpoint/2010/main" val="3787623055"/>
+      </p:ext>
+    </p:extLst>
+  </p:cSld>
+  <p:clrMapOvr>
+    <a:masterClrMapping/>
+  </p:clrMapOvr>
+</p:sld>
+</file>
+
 <file path=ppt/theme/theme1.xml><?xml version="1.0" encoding="utf-8"?>
 <a:theme xmlns:a="http://schemas.openxmlformats.org/drawingml/2006/main" name="Office 테마">
   <a:themeElements>
